--- a/MDM02-Gouvernance.pptx
+++ b/MDM02-Gouvernance.pptx
@@ -5,10 +5,10 @@
     <p:sldMasterId id="2147483653" r:id="rId1"/>
   </p:sldMasterIdLst>
   <p:notesMasterIdLst>
-    <p:notesMasterId r:id="rId9"/>
+    <p:notesMasterId r:id="rId15"/>
   </p:notesMasterIdLst>
   <p:handoutMasterIdLst>
-    <p:handoutMasterId r:id="rId10"/>
+    <p:handoutMasterId r:id="rId16"/>
   </p:handoutMasterIdLst>
   <p:sldIdLst>
     <p:sldId id="264" r:id="rId2"/>
@@ -18,6 +18,12 @@
     <p:sldId id="315" r:id="rId6"/>
     <p:sldId id="316" r:id="rId7"/>
     <p:sldId id="317" r:id="rId8"/>
+    <p:sldId id="318" r:id="rId9"/>
+    <p:sldId id="319" r:id="rId10"/>
+    <p:sldId id="320" r:id="rId11"/>
+    <p:sldId id="321" r:id="rId12"/>
+    <p:sldId id="322" r:id="rId13"/>
+    <p:sldId id="323" r:id="rId14"/>
   </p:sldIdLst>
   <p:sldSz cx="9144000" cy="6858000" type="screen4x3"/>
   <p:notesSz cx="6648450" cy="9782175"/>
@@ -2749,7 +2755,7 @@
         <p:spPr bwMode="auto">
           <a:xfrm>
             <a:off x="2209800" y="6553200"/>
-            <a:ext cx="4724400" cy="336550"/>
+            <a:ext cx="4724400" cy="338554"/>
           </a:xfrm>
           <a:prstGeom prst="rect">
             <a:avLst/>
@@ -2888,12 +2894,10 @@
               <a:defRPr/>
             </a:pPr>
             <a:r>
-              <a:rPr lang="fr-FR" sz="1600" dirty="0" err="1"/>
-              <a:t>Big</a:t>
-            </a:r>
-            <a:r>
-              <a:rPr lang="fr-FR" sz="1600" dirty="0"/>
-              <a:t> Data</a:t>
+              <a:rPr lang="fr-FR" sz="1600">
+                <a:latin typeface="Times New Roman" pitchFamily="18" charset="0"/>
+              </a:rPr>
+              <a:t>MDM</a:t>
             </a:r>
             <a:endParaRPr lang="fr-FR" dirty="0">
               <a:latin typeface="Times New Roman" pitchFamily="18" charset="0"/>
@@ -3730,6 +3734,491 @@
 </p:sld>
 </file>
 
+<file path=ppt/slides/slide10.xml><?xml version="1.0" encoding="utf-8"?>
+<p:sld xmlns:a="http://schemas.openxmlformats.org/drawingml/2006/main" xmlns:r="http://schemas.openxmlformats.org/officeDocument/2006/relationships" xmlns:p="http://schemas.openxmlformats.org/presentationml/2006/main">
+  <p:cSld>
+    <p:spTree>
+      <p:nvGrpSpPr>
+        <p:cNvPr id="1" name=""/>
+        <p:cNvGrpSpPr/>
+        <p:nvPr/>
+      </p:nvGrpSpPr>
+      <p:grpSpPr>
+        <a:xfrm>
+          <a:off x="0" y="0"/>
+          <a:ext cx="0" cy="0"/>
+          <a:chOff x="0" y="0"/>
+          <a:chExt cx="0" cy="0"/>
+        </a:xfrm>
+      </p:grpSpPr>
+      <p:sp>
+        <p:nvSpPr>
+          <p:cNvPr id="2" name="Titre 1">
+            <a:extLst>
+              <a:ext uri="{FF2B5EF4-FFF2-40B4-BE49-F238E27FC236}">
+                <a16:creationId xmlns:a16="http://schemas.microsoft.com/office/drawing/2014/main" id="{1AD3AAA3-60F1-F69F-2552-9BDC9E64E4AD}"/>
+              </a:ext>
+            </a:extLst>
+          </p:cNvPr>
+          <p:cNvSpPr>
+            <a:spLocks noGrp="1"/>
+          </p:cNvSpPr>
+          <p:nvPr>
+            <p:ph type="title"/>
+          </p:nvPr>
+        </p:nvSpPr>
+        <p:spPr/>
+        <p:txBody>
+          <a:bodyPr/>
+          <a:lstStyle/>
+          <a:p>
+            <a:r>
+              <a:rPr lang="fr-FR" dirty="0"/>
+              <a:t>DMBOK 2</a:t>
+            </a:r>
+          </a:p>
+        </p:txBody>
+      </p:sp>
+      <p:sp>
+        <p:nvSpPr>
+          <p:cNvPr id="3" name="Espace réservé du contenu 2">
+            <a:extLst>
+              <a:ext uri="{FF2B5EF4-FFF2-40B4-BE49-F238E27FC236}">
+                <a16:creationId xmlns:a16="http://schemas.microsoft.com/office/drawing/2014/main" id="{658F48D2-EC65-A5E6-58AA-86A9AB437BF8}"/>
+              </a:ext>
+            </a:extLst>
+          </p:cNvPr>
+          <p:cNvSpPr>
+            <a:spLocks noGrp="1"/>
+          </p:cNvSpPr>
+          <p:nvPr>
+            <p:ph idx="1"/>
+          </p:nvPr>
+        </p:nvSpPr>
+        <p:spPr/>
+        <p:txBody>
+          <a:bodyPr/>
+          <a:lstStyle/>
+          <a:p>
+            <a:r>
+              <a:rPr lang="fr-FR" dirty="0"/>
+              <a:t>Les 11 domaines de compétence</a:t>
+            </a:r>
+          </a:p>
+        </p:txBody>
+      </p:sp>
+      <p:pic>
+        <p:nvPicPr>
+          <p:cNvPr id="5" name="Image 4">
+            <a:extLst>
+              <a:ext uri="{FF2B5EF4-FFF2-40B4-BE49-F238E27FC236}">
+                <a16:creationId xmlns:a16="http://schemas.microsoft.com/office/drawing/2014/main" id="{3D4878E9-24E8-BF9D-362E-8499A7AA7F48}"/>
+              </a:ext>
+            </a:extLst>
+          </p:cNvPr>
+          <p:cNvPicPr>
+            <a:picLocks noChangeAspect="1"/>
+          </p:cNvPicPr>
+          <p:nvPr/>
+        </p:nvPicPr>
+        <p:blipFill>
+          <a:blip r:embed="rId2"/>
+          <a:stretch>
+            <a:fillRect/>
+          </a:stretch>
+        </p:blipFill>
+        <p:spPr>
+          <a:xfrm>
+            <a:off x="2668803" y="2132856"/>
+            <a:ext cx="3787468" cy="3817951"/>
+          </a:xfrm>
+          <a:prstGeom prst="rect">
+            <a:avLst/>
+          </a:prstGeom>
+        </p:spPr>
+      </p:pic>
+    </p:spTree>
+    <p:extLst>
+      <p:ext uri="{BB962C8B-B14F-4D97-AF65-F5344CB8AC3E}">
+        <p14:creationId xmlns:p14="http://schemas.microsoft.com/office/powerpoint/2010/main" val="530583090"/>
+      </p:ext>
+    </p:extLst>
+  </p:cSld>
+  <p:clrMapOvr>
+    <a:masterClrMapping/>
+  </p:clrMapOvr>
+</p:sld>
+</file>
+
+<file path=ppt/slides/slide11.xml><?xml version="1.0" encoding="utf-8"?>
+<p:sld xmlns:a="http://schemas.openxmlformats.org/drawingml/2006/main" xmlns:r="http://schemas.openxmlformats.org/officeDocument/2006/relationships" xmlns:p="http://schemas.openxmlformats.org/presentationml/2006/main">
+  <p:cSld>
+    <p:spTree>
+      <p:nvGrpSpPr>
+        <p:cNvPr id="1" name=""/>
+        <p:cNvGrpSpPr/>
+        <p:nvPr/>
+      </p:nvGrpSpPr>
+      <p:grpSpPr>
+        <a:xfrm>
+          <a:off x="0" y="0"/>
+          <a:ext cx="0" cy="0"/>
+          <a:chOff x="0" y="0"/>
+          <a:chExt cx="0" cy="0"/>
+        </a:xfrm>
+      </p:grpSpPr>
+      <p:sp>
+        <p:nvSpPr>
+          <p:cNvPr id="2" name="Titre 1">
+            <a:extLst>
+              <a:ext uri="{FF2B5EF4-FFF2-40B4-BE49-F238E27FC236}">
+                <a16:creationId xmlns:a16="http://schemas.microsoft.com/office/drawing/2014/main" id="{CC4DEA07-75FC-DC19-5A7B-75ACFE0512B6}"/>
+              </a:ext>
+            </a:extLst>
+          </p:cNvPr>
+          <p:cNvSpPr>
+            <a:spLocks noGrp="1"/>
+          </p:cNvSpPr>
+          <p:nvPr>
+            <p:ph type="title"/>
+          </p:nvPr>
+        </p:nvSpPr>
+        <p:spPr/>
+        <p:txBody>
+          <a:bodyPr/>
+          <a:lstStyle/>
+          <a:p>
+            <a:r>
+              <a:rPr lang="fr-FR" dirty="0"/>
+              <a:t>Domaines de compétence</a:t>
+            </a:r>
+          </a:p>
+        </p:txBody>
+      </p:sp>
+      <p:sp>
+        <p:nvSpPr>
+          <p:cNvPr id="3" name="Espace réservé du contenu 2">
+            <a:extLst>
+              <a:ext uri="{FF2B5EF4-FFF2-40B4-BE49-F238E27FC236}">
+                <a16:creationId xmlns:a16="http://schemas.microsoft.com/office/drawing/2014/main" id="{9387F90B-1A8E-C7C6-9DCC-3F1002FDDBAE}"/>
+              </a:ext>
+            </a:extLst>
+          </p:cNvPr>
+          <p:cNvSpPr>
+            <a:spLocks noGrp="1"/>
+          </p:cNvSpPr>
+          <p:nvPr>
+            <p:ph idx="1"/>
+          </p:nvPr>
+        </p:nvSpPr>
+        <p:spPr/>
+        <p:txBody>
+          <a:bodyPr/>
+          <a:lstStyle/>
+          <a:p>
+            <a:r>
+              <a:rPr lang="fr-FR" dirty="0"/>
+              <a:t>L'interaction se produit à travers les processus de gouvernance des données</a:t>
+            </a:r>
+          </a:p>
+          <a:p>
+            <a:pPr lvl="1"/>
+            <a:r>
+              <a:rPr lang="fr-FR" dirty="0"/>
+              <a:t>La gouvernance des données est reconnue comme la connaissance coordinatrice</a:t>
+            </a:r>
+          </a:p>
+          <a:p>
+            <a:pPr lvl="1"/>
+            <a:r>
+              <a:rPr lang="fr-FR" dirty="0"/>
+              <a:t>Les processus et les ressources de la DG sont exploités à travers les connaissances</a:t>
+            </a:r>
+          </a:p>
+          <a:p>
+            <a:pPr lvl="1"/>
+            <a:r>
+              <a:rPr lang="fr-FR" dirty="0"/>
+              <a:t>Les rôles et responsabilités communs peuvent être exploités à travers les domaines</a:t>
+            </a:r>
+          </a:p>
+          <a:p>
+            <a:pPr lvl="1"/>
+            <a:endParaRPr lang="fr-FR" dirty="0"/>
+          </a:p>
+        </p:txBody>
+      </p:sp>
+    </p:spTree>
+    <p:extLst>
+      <p:ext uri="{BB962C8B-B14F-4D97-AF65-F5344CB8AC3E}">
+        <p14:creationId xmlns:p14="http://schemas.microsoft.com/office/powerpoint/2010/main" val="1530577430"/>
+      </p:ext>
+    </p:extLst>
+  </p:cSld>
+  <p:clrMapOvr>
+    <a:masterClrMapping/>
+  </p:clrMapOvr>
+</p:sld>
+</file>
+
+<file path=ppt/slides/slide12.xml><?xml version="1.0" encoding="utf-8"?>
+<p:sld xmlns:a="http://schemas.openxmlformats.org/drawingml/2006/main" xmlns:r="http://schemas.openxmlformats.org/officeDocument/2006/relationships" xmlns:p="http://schemas.openxmlformats.org/presentationml/2006/main">
+  <p:cSld>
+    <p:spTree>
+      <p:nvGrpSpPr>
+        <p:cNvPr id="1" name=""/>
+        <p:cNvGrpSpPr/>
+        <p:nvPr/>
+      </p:nvGrpSpPr>
+      <p:grpSpPr>
+        <a:xfrm>
+          <a:off x="0" y="0"/>
+          <a:ext cx="0" cy="0"/>
+          <a:chOff x="0" y="0"/>
+          <a:chExt cx="0" cy="0"/>
+        </a:xfrm>
+      </p:grpSpPr>
+      <p:sp>
+        <p:nvSpPr>
+          <p:cNvPr id="2" name="Titre 1">
+            <a:extLst>
+              <a:ext uri="{FF2B5EF4-FFF2-40B4-BE49-F238E27FC236}">
+                <a16:creationId xmlns:a16="http://schemas.microsoft.com/office/drawing/2014/main" id="{74583B26-A826-694E-77C7-94A5EBFC1427}"/>
+              </a:ext>
+            </a:extLst>
+          </p:cNvPr>
+          <p:cNvSpPr>
+            <a:spLocks noGrp="1"/>
+          </p:cNvSpPr>
+          <p:nvPr>
+            <p:ph type="title"/>
+          </p:nvPr>
+        </p:nvSpPr>
+        <p:spPr/>
+        <p:txBody>
+          <a:bodyPr/>
+          <a:lstStyle/>
+          <a:p>
+            <a:r>
+              <a:rPr lang="fr-FR" dirty="0"/>
+              <a:t>Exemples</a:t>
+            </a:r>
+          </a:p>
+        </p:txBody>
+      </p:sp>
+      <p:sp>
+        <p:nvSpPr>
+          <p:cNvPr id="3" name="Espace réservé du contenu 2">
+            <a:extLst>
+              <a:ext uri="{FF2B5EF4-FFF2-40B4-BE49-F238E27FC236}">
+                <a16:creationId xmlns:a16="http://schemas.microsoft.com/office/drawing/2014/main" id="{464BD72F-9B5B-0159-2C9C-A6049F60A4EC}"/>
+              </a:ext>
+            </a:extLst>
+          </p:cNvPr>
+          <p:cNvSpPr>
+            <a:spLocks noGrp="1"/>
+          </p:cNvSpPr>
+          <p:nvPr>
+            <p:ph idx="1"/>
+          </p:nvPr>
+        </p:nvSpPr>
+        <p:spPr/>
+        <p:txBody>
+          <a:bodyPr/>
+          <a:lstStyle/>
+          <a:p>
+            <a:r>
+              <a:rPr lang="fr-FR" dirty="0"/>
+              <a:t>Gouvernance des données de référence et de référence :</a:t>
+            </a:r>
+          </a:p>
+          <a:p>
+            <a:pPr lvl="1"/>
+            <a:r>
+              <a:rPr lang="fr-FR" dirty="0"/>
+              <a:t>Détermination des systèmes/données d'enregistrement</a:t>
+            </a:r>
+          </a:p>
+          <a:p>
+            <a:pPr lvl="1"/>
+            <a:r>
+              <a:rPr lang="fr-FR" dirty="0"/>
+              <a:t>Détermination et gestion des règles métier</a:t>
+            </a:r>
+          </a:p>
+          <a:p>
+            <a:pPr lvl="1"/>
+            <a:r>
+              <a:rPr lang="fr-FR" dirty="0"/>
+              <a:t>Gestion des exceptions</a:t>
+            </a:r>
+          </a:p>
+          <a:p>
+            <a:pPr lvl="1"/>
+            <a:r>
+              <a:rPr lang="fr-FR" dirty="0"/>
+              <a:t>Métriques</a:t>
+            </a:r>
+          </a:p>
+          <a:p>
+            <a:pPr lvl="1"/>
+            <a:r>
+              <a:rPr lang="fr-FR" dirty="0"/>
+              <a:t>Réglementations gouvernementales</a:t>
+            </a:r>
+          </a:p>
+          <a:p>
+            <a:pPr lvl="1"/>
+            <a:r>
+              <a:rPr lang="fr-FR" dirty="0"/>
+              <a:t>Normes de l'industrie</a:t>
+            </a:r>
+          </a:p>
+        </p:txBody>
+      </p:sp>
+    </p:spTree>
+    <p:extLst>
+      <p:ext uri="{BB962C8B-B14F-4D97-AF65-F5344CB8AC3E}">
+        <p14:creationId xmlns:p14="http://schemas.microsoft.com/office/powerpoint/2010/main" val="4223577144"/>
+      </p:ext>
+    </p:extLst>
+  </p:cSld>
+  <p:clrMapOvr>
+    <a:masterClrMapping/>
+  </p:clrMapOvr>
+</p:sld>
+</file>
+
+<file path=ppt/slides/slide13.xml><?xml version="1.0" encoding="utf-8"?>
+<p:sld xmlns:a="http://schemas.openxmlformats.org/drawingml/2006/main" xmlns:r="http://schemas.openxmlformats.org/officeDocument/2006/relationships" xmlns:p="http://schemas.openxmlformats.org/presentationml/2006/main">
+  <p:cSld>
+    <p:spTree>
+      <p:nvGrpSpPr>
+        <p:cNvPr id="1" name=""/>
+        <p:cNvGrpSpPr/>
+        <p:nvPr/>
+      </p:nvGrpSpPr>
+      <p:grpSpPr>
+        <a:xfrm>
+          <a:off x="0" y="0"/>
+          <a:ext cx="0" cy="0"/>
+          <a:chOff x="0" y="0"/>
+          <a:chExt cx="0" cy="0"/>
+        </a:xfrm>
+      </p:grpSpPr>
+      <p:sp>
+        <p:nvSpPr>
+          <p:cNvPr id="2" name="Titre 1">
+            <a:extLst>
+              <a:ext uri="{FF2B5EF4-FFF2-40B4-BE49-F238E27FC236}">
+                <a16:creationId xmlns:a16="http://schemas.microsoft.com/office/drawing/2014/main" id="{EE7B145A-54AD-19BD-60ED-7680889F4AC6}"/>
+              </a:ext>
+            </a:extLst>
+          </p:cNvPr>
+          <p:cNvSpPr>
+            <a:spLocks noGrp="1"/>
+          </p:cNvSpPr>
+          <p:nvPr>
+            <p:ph type="title"/>
+          </p:nvPr>
+        </p:nvSpPr>
+        <p:spPr/>
+        <p:txBody>
+          <a:bodyPr/>
+          <a:lstStyle/>
+          <a:p>
+            <a:r>
+              <a:rPr lang="fr-FR" dirty="0"/>
+              <a:t>Exemple de Gouvernance</a:t>
+            </a:r>
+          </a:p>
+        </p:txBody>
+      </p:sp>
+      <p:pic>
+        <p:nvPicPr>
+          <p:cNvPr id="4" name="Picture 4">
+            <a:extLst>
+              <a:ext uri="{FF2B5EF4-FFF2-40B4-BE49-F238E27FC236}">
+                <a16:creationId xmlns:a16="http://schemas.microsoft.com/office/drawing/2014/main" id="{1D24C807-7EA0-988D-3B2B-B89F8A1C696D}"/>
+              </a:ext>
+            </a:extLst>
+          </p:cNvPr>
+          <p:cNvPicPr>
+            <a:picLocks noGrp="1" noChangeAspect="1" noChangeArrowheads="1"/>
+          </p:cNvPicPr>
+          <p:nvPr>
+            <p:ph idx="1"/>
+          </p:nvPr>
+        </p:nvPicPr>
+        <p:blipFill>
+          <a:blip r:embed="rId2">
+            <a:extLst>
+              <a:ext uri="{28A0092B-C50C-407E-A947-70E740481C1C}">
+                <a14:useLocalDpi xmlns:a14="http://schemas.microsoft.com/office/drawing/2010/main" val="0"/>
+              </a:ext>
+            </a:extLst>
+          </a:blip>
+          <a:srcRect/>
+          <a:stretch>
+            <a:fillRect/>
+          </a:stretch>
+        </p:blipFill>
+        <p:spPr bwMode="auto">
+          <a:xfrm>
+            <a:off x="1008212" y="1412875"/>
+            <a:ext cx="7108526" cy="5040313"/>
+          </a:xfrm>
+          <a:prstGeom prst="rect">
+            <a:avLst/>
+          </a:prstGeom>
+          <a:noFill/>
+          <a:ln>
+            <a:noFill/>
+          </a:ln>
+          <a:effectLst/>
+          <a:extLst>
+            <a:ext uri="{909E8E84-426E-40DD-AFC4-6F175D3DCCD1}">
+              <a14:hiddenFill xmlns:a14="http://schemas.microsoft.com/office/drawing/2010/main">
+                <a:solidFill>
+                  <a:schemeClr val="accent1"/>
+                </a:solidFill>
+              </a14:hiddenFill>
+            </a:ext>
+            <a:ext uri="{91240B29-F687-4F45-9708-019B960494DF}">
+              <a14:hiddenLine xmlns:a14="http://schemas.microsoft.com/office/drawing/2010/main" w="12700">
+                <a:solidFill>
+                  <a:schemeClr val="tx1"/>
+                </a:solidFill>
+                <a:miter lim="800000"/>
+                <a:headEnd type="none" w="sm" len="sm"/>
+                <a:tailEnd type="none" w="sm" len="sm"/>
+              </a14:hiddenLine>
+            </a:ext>
+            <a:ext uri="{AF507438-7753-43E0-B8FC-AC1667EBCBE1}">
+              <a14:hiddenEffects xmlns:a14="http://schemas.microsoft.com/office/drawing/2010/main">
+                <a:effectLst>
+                  <a:outerShdw dist="35921" dir="2700000" algn="ctr" rotWithShape="0">
+                    <a:schemeClr val="bg2"/>
+                  </a:outerShdw>
+                </a:effectLst>
+              </a14:hiddenEffects>
+            </a:ext>
+          </a:extLst>
+        </p:spPr>
+      </p:pic>
+    </p:spTree>
+    <p:extLst>
+      <p:ext uri="{BB962C8B-B14F-4D97-AF65-F5344CB8AC3E}">
+        <p14:creationId xmlns:p14="http://schemas.microsoft.com/office/powerpoint/2010/main" val="2104611640"/>
+      </p:ext>
+    </p:extLst>
+  </p:cSld>
+  <p:clrMapOvr>
+    <a:masterClrMapping/>
+  </p:clrMapOvr>
+</p:sld>
+</file>
+
 <file path=ppt/slides/slide2.xml><?xml version="1.0" encoding="utf-8"?>
 <p:sld xmlns:a="http://schemas.openxmlformats.org/drawingml/2006/main" xmlns:r="http://schemas.openxmlformats.org/officeDocument/2006/relationships" xmlns:p="http://schemas.openxmlformats.org/presentationml/2006/main">
   <p:cSld>
@@ -4276,6 +4765,268 @@
     <p:extLst>
       <p:ext uri="{BB962C8B-B14F-4D97-AF65-F5344CB8AC3E}">
         <p14:creationId xmlns:p14="http://schemas.microsoft.com/office/powerpoint/2010/main" val="338240423"/>
+      </p:ext>
+    </p:extLst>
+  </p:cSld>
+  <p:clrMapOvr>
+    <a:masterClrMapping/>
+  </p:clrMapOvr>
+</p:sld>
+</file>
+
+<file path=ppt/slides/slide8.xml><?xml version="1.0" encoding="utf-8"?>
+<p:sld xmlns:a="http://schemas.openxmlformats.org/drawingml/2006/main" xmlns:r="http://schemas.openxmlformats.org/officeDocument/2006/relationships" xmlns:p="http://schemas.openxmlformats.org/presentationml/2006/main">
+  <p:cSld>
+    <p:spTree>
+      <p:nvGrpSpPr>
+        <p:cNvPr id="1" name=""/>
+        <p:cNvGrpSpPr/>
+        <p:nvPr/>
+      </p:nvGrpSpPr>
+      <p:grpSpPr>
+        <a:xfrm>
+          <a:off x="0" y="0"/>
+          <a:ext cx="0" cy="0"/>
+          <a:chOff x="0" y="0"/>
+          <a:chExt cx="0" cy="0"/>
+        </a:xfrm>
+      </p:grpSpPr>
+      <p:sp>
+        <p:nvSpPr>
+          <p:cNvPr id="2" name="Titre 1">
+            <a:extLst>
+              <a:ext uri="{FF2B5EF4-FFF2-40B4-BE49-F238E27FC236}">
+                <a16:creationId xmlns:a16="http://schemas.microsoft.com/office/drawing/2014/main" id="{148461D3-D313-9850-D313-D66F9BB11F29}"/>
+              </a:ext>
+            </a:extLst>
+          </p:cNvPr>
+          <p:cNvSpPr>
+            <a:spLocks noGrp="1"/>
+          </p:cNvSpPr>
+          <p:nvPr>
+            <p:ph type="title"/>
+          </p:nvPr>
+        </p:nvSpPr>
+        <p:spPr/>
+        <p:txBody>
+          <a:bodyPr/>
+          <a:lstStyle/>
+          <a:p>
+            <a:r>
+              <a:rPr lang="fr-FR" dirty="0"/>
+              <a:t>DMBOK</a:t>
+            </a:r>
+          </a:p>
+        </p:txBody>
+      </p:sp>
+      <p:sp>
+        <p:nvSpPr>
+          <p:cNvPr id="3" name="Espace réservé du contenu 2">
+            <a:extLst>
+              <a:ext uri="{FF2B5EF4-FFF2-40B4-BE49-F238E27FC236}">
+                <a16:creationId xmlns:a16="http://schemas.microsoft.com/office/drawing/2014/main" id="{85B0EFC2-4975-1A6C-E09D-FDCE9A2E6F67}"/>
+              </a:ext>
+            </a:extLst>
+          </p:cNvPr>
+          <p:cNvSpPr>
+            <a:spLocks noGrp="1"/>
+          </p:cNvSpPr>
+          <p:nvPr>
+            <p:ph idx="1"/>
+          </p:nvPr>
+        </p:nvSpPr>
+        <p:spPr>
+          <a:xfrm>
+            <a:off x="179513" y="1412776"/>
+            <a:ext cx="5688632" cy="5040560"/>
+          </a:xfrm>
+        </p:spPr>
+        <p:txBody>
+          <a:bodyPr/>
+          <a:lstStyle/>
+          <a:p>
+            <a:r>
+              <a:rPr lang="en-US" dirty="0"/>
+              <a:t>Le DAMA Body of Knowledge </a:t>
+            </a:r>
+            <a:r>
+              <a:rPr lang="en-US" dirty="0" err="1"/>
+              <a:t>DMBoK</a:t>
+            </a:r>
+            <a:endParaRPr lang="en-US" dirty="0"/>
+          </a:p>
+          <a:p>
+            <a:pPr lvl="1"/>
+            <a:r>
+              <a:rPr lang="en-US" dirty="0"/>
+              <a:t>Dama.org</a:t>
+            </a:r>
+          </a:p>
+          <a:p>
+            <a:pPr lvl="1"/>
+            <a:r>
+              <a:rPr lang="fr-FR" dirty="0"/>
+              <a:t>Le corpus de connaissances sur la gestion des données est un ensemble de processus et de meilleures pratiques</a:t>
+            </a:r>
+          </a:p>
+        </p:txBody>
+      </p:sp>
+      <p:pic>
+        <p:nvPicPr>
+          <p:cNvPr id="7" name="Image 6">
+            <a:extLst>
+              <a:ext uri="{FF2B5EF4-FFF2-40B4-BE49-F238E27FC236}">
+                <a16:creationId xmlns:a16="http://schemas.microsoft.com/office/drawing/2014/main" id="{DAE1BAAD-FDC9-491F-1F6C-6B29B630DE38}"/>
+              </a:ext>
+            </a:extLst>
+          </p:cNvPr>
+          <p:cNvPicPr>
+            <a:picLocks noChangeAspect="1"/>
+          </p:cNvPicPr>
+          <p:nvPr/>
+        </p:nvPicPr>
+        <p:blipFill>
+          <a:blip r:embed="rId2"/>
+          <a:stretch>
+            <a:fillRect/>
+          </a:stretch>
+        </p:blipFill>
+        <p:spPr>
+          <a:xfrm>
+            <a:off x="6156176" y="1412776"/>
+            <a:ext cx="2057578" cy="2629128"/>
+          </a:xfrm>
+          <a:prstGeom prst="rect">
+            <a:avLst/>
+          </a:prstGeom>
+        </p:spPr>
+      </p:pic>
+      <p:pic>
+        <p:nvPicPr>
+          <p:cNvPr id="9" name="Image 8">
+            <a:extLst>
+              <a:ext uri="{FF2B5EF4-FFF2-40B4-BE49-F238E27FC236}">
+                <a16:creationId xmlns:a16="http://schemas.microsoft.com/office/drawing/2014/main" id="{7AEF4EB1-10A0-080E-D3ED-52709BE097F6}"/>
+              </a:ext>
+            </a:extLst>
+          </p:cNvPr>
+          <p:cNvPicPr>
+            <a:picLocks noChangeAspect="1"/>
+          </p:cNvPicPr>
+          <p:nvPr/>
+        </p:nvPicPr>
+        <p:blipFill>
+          <a:blip r:embed="rId3"/>
+          <a:stretch>
+            <a:fillRect/>
+          </a:stretch>
+        </p:blipFill>
+        <p:spPr>
+          <a:xfrm>
+            <a:off x="1979712" y="4653136"/>
+            <a:ext cx="4892464" cy="883997"/>
+          </a:xfrm>
+          <a:prstGeom prst="rect">
+            <a:avLst/>
+          </a:prstGeom>
+        </p:spPr>
+      </p:pic>
+    </p:spTree>
+    <p:extLst>
+      <p:ext uri="{BB962C8B-B14F-4D97-AF65-F5344CB8AC3E}">
+        <p14:creationId xmlns:p14="http://schemas.microsoft.com/office/powerpoint/2010/main" val="899357166"/>
+      </p:ext>
+    </p:extLst>
+  </p:cSld>
+  <p:clrMapOvr>
+    <a:masterClrMapping/>
+  </p:clrMapOvr>
+</p:sld>
+</file>
+
+<file path=ppt/slides/slide9.xml><?xml version="1.0" encoding="utf-8"?>
+<p:sld xmlns:a="http://schemas.openxmlformats.org/drawingml/2006/main" xmlns:r="http://schemas.openxmlformats.org/officeDocument/2006/relationships" xmlns:p="http://schemas.openxmlformats.org/presentationml/2006/main">
+  <p:cSld>
+    <p:spTree>
+      <p:nvGrpSpPr>
+        <p:cNvPr id="1" name=""/>
+        <p:cNvGrpSpPr/>
+        <p:nvPr/>
+      </p:nvGrpSpPr>
+      <p:grpSpPr>
+        <a:xfrm>
+          <a:off x="0" y="0"/>
+          <a:ext cx="0" cy="0"/>
+          <a:chOff x="0" y="0"/>
+          <a:chExt cx="0" cy="0"/>
+        </a:xfrm>
+      </p:grpSpPr>
+      <p:sp>
+        <p:nvSpPr>
+          <p:cNvPr id="2" name="Titre 1">
+            <a:extLst>
+              <a:ext uri="{FF2B5EF4-FFF2-40B4-BE49-F238E27FC236}">
+                <a16:creationId xmlns:a16="http://schemas.microsoft.com/office/drawing/2014/main" id="{62F47710-6E4A-954B-43DE-C1DF4933F30A}"/>
+              </a:ext>
+            </a:extLst>
+          </p:cNvPr>
+          <p:cNvSpPr>
+            <a:spLocks noGrp="1"/>
+          </p:cNvSpPr>
+          <p:nvPr>
+            <p:ph type="title"/>
+          </p:nvPr>
+        </p:nvSpPr>
+        <p:spPr/>
+        <p:txBody>
+          <a:bodyPr/>
+          <a:lstStyle/>
+          <a:p>
+            <a:r>
+              <a:rPr lang="fr-FR" dirty="0"/>
+              <a:t>DMBOK</a:t>
+            </a:r>
+          </a:p>
+        </p:txBody>
+      </p:sp>
+      <p:sp>
+        <p:nvSpPr>
+          <p:cNvPr id="3" name="Espace réservé du contenu 2">
+            <a:extLst>
+              <a:ext uri="{FF2B5EF4-FFF2-40B4-BE49-F238E27FC236}">
+                <a16:creationId xmlns:a16="http://schemas.microsoft.com/office/drawing/2014/main" id="{C134FE94-B783-4895-57A2-7E14693BC44F}"/>
+              </a:ext>
+            </a:extLst>
+          </p:cNvPr>
+          <p:cNvSpPr>
+            <a:spLocks noGrp="1"/>
+          </p:cNvSpPr>
+          <p:nvPr>
+            <p:ph idx="1"/>
+          </p:nvPr>
+        </p:nvSpPr>
+        <p:spPr/>
+        <p:txBody>
+          <a:bodyPr/>
+          <a:lstStyle/>
+          <a:p>
+            <a:r>
+              <a:rPr lang="fr-FR" dirty="0"/>
+              <a:t>Contient les meilleures pratiques et références généralement acceptées pour chaque discipline de gestion des données</a:t>
+            </a:r>
+          </a:p>
+          <a:p>
+            <a:r>
+              <a:rPr lang="fr-FR" dirty="0"/>
+              <a:t>La gestion des données (DM) est un terme global qui décrit les processus utilisés pour planifier, spécifier, activer, créer, acquérir, maintenir, utiliser, archiver, récupérer, contrôler et purger les données</a:t>
+            </a:r>
+          </a:p>
+        </p:txBody>
+      </p:sp>
+    </p:spTree>
+    <p:extLst>
+      <p:ext uri="{BB962C8B-B14F-4D97-AF65-F5344CB8AC3E}">
+        <p14:creationId xmlns:p14="http://schemas.microsoft.com/office/powerpoint/2010/main" val="1987392966"/>
       </p:ext>
     </p:extLst>
   </p:cSld>

--- a/MDM02-Gouvernance.pptx
+++ b/MDM02-Gouvernance.pptx
@@ -2894,13 +2894,13 @@
               <a:defRPr/>
             </a:pPr>
             <a:r>
-              <a:rPr lang="fr-FR" sz="1600">
-                <a:latin typeface="Times New Roman" pitchFamily="18" charset="0"/>
+              <a:rPr lang="fr-FR" sz="1600" dirty="0">
+                <a:latin typeface="+mj-lt"/>
               </a:rPr>
               <a:t>MDM</a:t>
             </a:r>
             <a:endParaRPr lang="fr-FR" dirty="0">
-              <a:latin typeface="Times New Roman" pitchFamily="18" charset="0"/>
+              <a:latin typeface="+mj-lt"/>
             </a:endParaRPr>
           </a:p>
         </p:txBody>
@@ -4580,7 +4580,15 @@
           <a:p>
             <a:r>
               <a:rPr lang="fr-FR" dirty="0"/>
-              <a:t>elle doit veiller à ce que les données soient à jour, cohérentes, et facile d'accès pour les utilisateurs et usages définis dans l'entreprise</a:t>
+              <a:t>E</a:t>
+            </a:r>
+            <a:r>
+              <a:rPr lang="fr-FR"/>
+              <a:t>lle </a:t>
+            </a:r>
+            <a:r>
+              <a:rPr lang="fr-FR" dirty="0"/>
+              <a:t>doit veiller à ce que les données soient à jour, cohérentes, et facile d'accès pour les utilisateurs et usages définis dans l'entreprise</a:t>
             </a:r>
           </a:p>
         </p:txBody>
